--- a/styleguide/thayer-slideshow-template-widescreen.pptx
+++ b/styleguide/thayer-slideshow-template-widescreen.pptx
@@ -208,7 +208,7 @@
           <a:p>
             <a:fld id="{8E2AF386-D9B5-914C-8493-A8BF64971680}" type="datetimeFigureOut">
               <a:rPr lang="en-US" smtClean="0"/>
-              <a:t>10/7/19</a:t>
+              <a:t>4/29/20</a:t>
             </a:fld>
             <a:endParaRPr lang="en-US"/>
           </a:p>
@@ -627,9 +627,9 @@
             <a:fld id="{54011C1F-D350-2E4B-9177-8A467767BA36}" type="datetime1">
               <a:rPr lang="en-US" smtClean="0"/>
               <a:pPr/>
-              <a:t>10/7/19</a:t>
+              <a:t>4/29/20</a:t>
             </a:fld>
-            <a:endParaRPr lang="en-US"/>
+            <a:endParaRPr lang="en-US" dirty="0"/>
           </a:p>
         </p:txBody>
       </p:sp>
@@ -748,7 +748,7 @@
           <a:p>
             <a:fld id="{3C970C37-AD79-E349-B07D-35CC4610EA7A}" type="datetime1">
               <a:rPr lang="en-US" smtClean="0"/>
-              <a:t>10/7/19</a:t>
+              <a:t>4/29/20</a:t>
             </a:fld>
             <a:endParaRPr lang="en-US"/>
           </a:p>
@@ -822,7 +822,7 @@
         </p:nvSpPr>
         <p:spPr>
           <a:xfrm>
-            <a:off x="0" y="4111732"/>
+            <a:off x="1" y="4294640"/>
             <a:ext cx="12191999" cy="707886"/>
           </a:xfrm>
           <a:prstGeom prst="rect">
@@ -852,10 +852,10 @@
       </p:sp>
       <p:pic>
         <p:nvPicPr>
-          <p:cNvPr id="11" name="Picture 10">
-            <a:extLst>
-              <a:ext uri="{FF2B5EF4-FFF2-40B4-BE49-F238E27FC236}">
-                <a16:creationId xmlns:a16="http://schemas.microsoft.com/office/drawing/2014/main" id="{E6E8B6D9-FBFC-6040-994D-10F09ACF08CC}"/>
+          <p:cNvPr id="6" name="Picture 5" descr="A close up of a sign&#10;&#10;Description automatically generated">
+            <a:extLst>
+              <a:ext uri="{FF2B5EF4-FFF2-40B4-BE49-F238E27FC236}">
+                <a16:creationId xmlns:a16="http://schemas.microsoft.com/office/drawing/2014/main" id="{D0428A41-1B78-DE44-8548-5FA76B8C0695}"/>
               </a:ext>
             </a:extLst>
           </p:cNvPr>
@@ -865,20 +865,15 @@
           <p:nvPr userDrawn="1"/>
         </p:nvPicPr>
         <p:blipFill>
-          <a:blip r:embed="rId2">
-            <a:extLst>
-              <a:ext uri="{96DAC541-7B7A-43D3-8B79-37D633B846F1}">
-                <asvg:svgBlip xmlns:asvg="http://schemas.microsoft.com/office/drawing/2016/SVG/main" r:embed="rId3"/>
-              </a:ext>
-            </a:extLst>
-          </a:blip>
-          <a:srcRect/>
-          <a:stretch/>
+          <a:blip r:embed="rId2"/>
+          <a:stretch>
+            <a:fillRect/>
+          </a:stretch>
         </p:blipFill>
         <p:spPr>
           <a:xfrm>
-            <a:off x="1732702" y="1534549"/>
-            <a:ext cx="8726593" cy="1935933"/>
+            <a:off x="2438400" y="1496560"/>
+            <a:ext cx="7315200" cy="2133600"/>
           </a:xfrm>
           <a:prstGeom prst="rect">
             <a:avLst/>
@@ -1061,7 +1056,7 @@
           <a:p>
             <a:fld id="{3EBF5576-2F29-084A-BAF6-BC37DA09959A}" type="datetime1">
               <a:rPr lang="en-US" smtClean="0"/>
-              <a:t>10/7/19</a:t>
+              <a:t>4/29/20</a:t>
             </a:fld>
             <a:endParaRPr lang="en-US"/>
           </a:p>
@@ -1175,10 +1170,10 @@
       </p:sp>
       <p:pic>
         <p:nvPicPr>
-          <p:cNvPr id="11" name="Picture 10">
-            <a:extLst>
-              <a:ext uri="{FF2B5EF4-FFF2-40B4-BE49-F238E27FC236}">
-                <a16:creationId xmlns:a16="http://schemas.microsoft.com/office/drawing/2014/main" id="{6E8F3EE9-1518-1A41-82CD-DD5D046685CE}"/>
+          <p:cNvPr id="9" name="Picture 7">
+            <a:extLst>
+              <a:ext uri="{FF2B5EF4-FFF2-40B4-BE49-F238E27FC236}">
+                <a16:creationId xmlns:a16="http://schemas.microsoft.com/office/drawing/2014/main" id="{D6F2303D-7199-D84B-8EDC-8EBFDABD033A}"/>
               </a:ext>
             </a:extLst>
           </p:cNvPr>
@@ -1188,15 +1183,20 @@
           <p:nvPr userDrawn="1"/>
         </p:nvPicPr>
         <p:blipFill>
-          <a:blip r:embed="rId2"/>
-          <a:stretch>
-            <a:fillRect/>
-          </a:stretch>
+          <a:blip r:embed="rId2">
+            <a:extLst>
+              <a:ext uri="{96DAC541-7B7A-43D3-8B79-37D633B846F1}">
+                <asvg:svgBlip xmlns:asvg="http://schemas.microsoft.com/office/drawing/2016/SVG/main" r:embed="rId3"/>
+              </a:ext>
+            </a:extLst>
+          </a:blip>
+          <a:srcRect/>
+          <a:stretch/>
         </p:blipFill>
         <p:spPr>
           <a:xfrm>
-            <a:off x="838200" y="6478231"/>
-            <a:ext cx="3053575" cy="266331"/>
+            <a:off x="831428" y="6486249"/>
+            <a:ext cx="3059226" cy="279418"/>
           </a:xfrm>
           <a:prstGeom prst="rect">
             <a:avLst/>
@@ -1264,7 +1264,7 @@
           <a:p>
             <a:fld id="{6DF5693A-9D9F-874D-BD81-6916B5259C82}" type="datetime1">
               <a:rPr lang="en-US" smtClean="0"/>
-              <a:t>10/7/19</a:t>
+              <a:t>4/29/20</a:t>
             </a:fld>
             <a:endParaRPr lang="en-US"/>
           </a:p>
@@ -1338,7 +1338,7 @@
         </p:nvSpPr>
         <p:spPr>
           <a:xfrm>
-            <a:off x="0" y="4111732"/>
+            <a:off x="1" y="4737643"/>
             <a:ext cx="12191999" cy="707886"/>
           </a:xfrm>
           <a:prstGeom prst="rect">
@@ -1366,41 +1366,6 @@
           </a:p>
         </p:txBody>
       </p:sp>
-      <p:pic>
-        <p:nvPicPr>
-          <p:cNvPr id="11" name="Picture 10">
-            <a:extLst>
-              <a:ext uri="{FF2B5EF4-FFF2-40B4-BE49-F238E27FC236}">
-                <a16:creationId xmlns:a16="http://schemas.microsoft.com/office/drawing/2014/main" id="{E6E8B6D9-FBFC-6040-994D-10F09ACF08CC}"/>
-              </a:ext>
-            </a:extLst>
-          </p:cNvPr>
-          <p:cNvPicPr>
-            <a:picLocks noChangeAspect="1"/>
-          </p:cNvPicPr>
-          <p:nvPr userDrawn="1"/>
-        </p:nvPicPr>
-        <p:blipFill>
-          <a:blip r:embed="rId2">
-            <a:extLst>
-              <a:ext uri="{96DAC541-7B7A-43D3-8B79-37D633B846F1}">
-                <asvg:svgBlip xmlns:asvg="http://schemas.microsoft.com/office/drawing/2016/SVG/main" r:embed="rId3"/>
-              </a:ext>
-            </a:extLst>
-          </a:blip>
-          <a:srcRect/>
-          <a:stretch/>
-        </p:blipFill>
-        <p:spPr>
-          <a:xfrm>
-            <a:off x="1732702" y="1534549"/>
-            <a:ext cx="8726593" cy="1935933"/>
-          </a:xfrm>
-          <a:prstGeom prst="rect">
-            <a:avLst/>
-          </a:prstGeom>
-        </p:spPr>
-      </p:pic>
       <p:sp>
         <p:nvSpPr>
           <p:cNvPr id="12" name="Rectangle 11">
@@ -1453,6 +1418,36 @@
           </a:p>
         </p:txBody>
       </p:sp>
+      <p:pic>
+        <p:nvPicPr>
+          <p:cNvPr id="6" name="Picture 5" descr="A picture containing drawing&#10;&#10;Description automatically generated">
+            <a:extLst>
+              <a:ext uri="{FF2B5EF4-FFF2-40B4-BE49-F238E27FC236}">
+                <a16:creationId xmlns:a16="http://schemas.microsoft.com/office/drawing/2014/main" id="{A5C14F33-BC1B-2B47-BBB5-164917061868}"/>
+              </a:ext>
+            </a:extLst>
+          </p:cNvPr>
+          <p:cNvPicPr>
+            <a:picLocks noChangeAspect="1"/>
+          </p:cNvPicPr>
+          <p:nvPr userDrawn="1"/>
+        </p:nvPicPr>
+        <p:blipFill>
+          <a:blip r:embed="rId2"/>
+          <a:stretch>
+            <a:fillRect/>
+          </a:stretch>
+        </p:blipFill>
+        <p:spPr>
+          <a:xfrm>
+            <a:off x="2438400" y="1659536"/>
+            <a:ext cx="7315200" cy="2233301"/>
+          </a:xfrm>
+          <a:prstGeom prst="rect">
+            <a:avLst/>
+          </a:prstGeom>
+        </p:spPr>
+      </p:pic>
     </p:spTree>
     <p:extLst>
       <p:ext uri="{BB962C8B-B14F-4D97-AF65-F5344CB8AC3E}">
@@ -1637,7 +1632,7 @@
             <a:fld id="{B500ACF6-6DB5-074C-A9EE-5196F9E1E130}" type="datetime1">
               <a:rPr lang="en-US" smtClean="0"/>
               <a:pPr/>
-              <a:t>10/7/19</a:t>
+              <a:t>4/29/20</a:t>
             </a:fld>
             <a:endParaRPr lang="en-US"/>
           </a:p>
@@ -1930,7 +1925,7 @@
             <a:fld id="{F1D4659F-5476-0B49-BC71-6E5299D8D7C0}" type="datetime1">
               <a:rPr lang="en-US" smtClean="0"/>
               <a:pPr/>
-              <a:t>10/7/19</a:t>
+              <a:t>4/29/20</a:t>
             </a:fld>
             <a:endParaRPr lang="en-US"/>
           </a:p>
@@ -2200,7 +2195,7 @@
             <a:fld id="{C65B4AC7-90B8-BD40-9D01-C96B0D893D3F}" type="datetime1">
               <a:rPr lang="en-US" smtClean="0"/>
               <a:pPr/>
-              <a:t>10/7/19</a:t>
+              <a:t>4/29/20</a:t>
             </a:fld>
             <a:endParaRPr lang="en-US"/>
           </a:p>
@@ -2617,7 +2612,7 @@
             <a:fld id="{D05DE624-68E5-E848-8E9E-4C978656C63D}" type="datetime1">
               <a:rPr lang="en-US" smtClean="0"/>
               <a:pPr/>
-              <a:t>10/7/19</a:t>
+              <a:t>4/29/20</a:t>
             </a:fld>
             <a:endParaRPr lang="en-US" dirty="0"/>
           </a:p>
@@ -2758,7 +2753,7 @@
           <a:p>
             <a:fld id="{B4FDE5B6-5EE5-9A45-85C2-3DA96C0F3A35}" type="datetime1">
               <a:rPr lang="en-US" smtClean="0"/>
-              <a:t>10/7/19</a:t>
+              <a:t>4/29/20</a:t>
             </a:fld>
             <a:endParaRPr lang="en-US"/>
           </a:p>
@@ -2871,7 +2866,7 @@
           <a:p>
             <a:fld id="{1FED9CCF-9DF3-004D-B1D6-AB6F4E3B956E}" type="datetime1">
               <a:rPr lang="en-US" smtClean="0"/>
-              <a:t>10/7/19</a:t>
+              <a:t>4/29/20</a:t>
             </a:fld>
             <a:endParaRPr lang="en-US"/>
           </a:p>
@@ -3182,7 +3177,7 @@
           <a:p>
             <a:fld id="{FEBE41FC-0F3B-FB41-A299-5540B70947F2}" type="datetime1">
               <a:rPr lang="en-US" smtClean="0"/>
-              <a:t>10/7/19</a:t>
+              <a:t>4/29/20</a:t>
             </a:fld>
             <a:endParaRPr lang="en-US"/>
           </a:p>
@@ -3470,7 +3465,7 @@
           <a:p>
             <a:fld id="{36877CF4-53D5-7D4C-8AA8-5484B184BCB9}" type="datetime1">
               <a:rPr lang="en-US" smtClean="0"/>
-              <a:t>10/7/19</a:t>
+              <a:t>4/29/20</a:t>
             </a:fld>
             <a:endParaRPr lang="en-US"/>
           </a:p>
@@ -3764,7 +3759,7 @@
             <a:fld id="{14BD454F-EC88-BF4A-8118-AC480A76E122}" type="datetime1">
               <a:rPr lang="en-US" smtClean="0"/>
               <a:pPr/>
-              <a:t>10/7/19</a:t>
+              <a:t>4/29/20</a:t>
             </a:fld>
             <a:endParaRPr lang="en-US" dirty="0"/>
           </a:p>
@@ -3863,10 +3858,10 @@
       </p:sp>
       <p:pic>
         <p:nvPicPr>
-          <p:cNvPr id="11" name="Picture 10">
-            <a:extLst>
-              <a:ext uri="{FF2B5EF4-FFF2-40B4-BE49-F238E27FC236}">
-                <a16:creationId xmlns:a16="http://schemas.microsoft.com/office/drawing/2014/main" id="{A022ACD9-5021-784F-8B64-15EA90A98482}"/>
+          <p:cNvPr id="10" name="Picture 7">
+            <a:extLst>
+              <a:ext uri="{FF2B5EF4-FFF2-40B4-BE49-F238E27FC236}">
+                <a16:creationId xmlns:a16="http://schemas.microsoft.com/office/drawing/2014/main" id="{31774FDB-8B28-DA4E-8273-8457ABDC6461}"/>
               </a:ext>
             </a:extLst>
           </p:cNvPr>
@@ -3876,15 +3871,20 @@
           <p:nvPr userDrawn="1"/>
         </p:nvPicPr>
         <p:blipFill>
-          <a:blip r:embed="rId14"/>
-          <a:stretch>
-            <a:fillRect/>
-          </a:stretch>
+          <a:blip r:embed="rId14">
+            <a:extLst>
+              <a:ext uri="{96DAC541-7B7A-43D3-8B79-37D633B846F1}">
+                <asvg:svgBlip xmlns:asvg="http://schemas.microsoft.com/office/drawing/2016/SVG/main" r:embed="rId15"/>
+              </a:ext>
+            </a:extLst>
+          </a:blip>
+          <a:srcRect/>
+          <a:stretch/>
         </p:blipFill>
         <p:spPr>
           <a:xfrm>
-            <a:off x="838200" y="6478231"/>
-            <a:ext cx="3053575" cy="266331"/>
+            <a:off x="831428" y="6486249"/>
+            <a:ext cx="3059226" cy="279418"/>
           </a:xfrm>
           <a:prstGeom prst="rect">
             <a:avLst/>
